--- a/training-cards/emotional erwachsen/Perception (PER)/ger/apprentice/ger_PER_10_Spannungsschlange_EE_A.pptx
+++ b/training-cards/emotional erwachsen/Perception (PER)/ger/apprentice/ger_PER_10_Spannungsschlange_EE_A.pptx
@@ -193,7 +193,7 @@
           <a:p>
             <a:fld id="{6E077CBB-2DF5-4D45-BDDD-22DB2684D07E}" type="datetimeFigureOut">
               <a:rPr lang="de-DE" smtClean="0"/>
-              <a:t>23.11.15</a:t>
+              <a:t>24.11.15</a:t>
             </a:fld>
             <a:endParaRPr lang="de-DE"/>
           </a:p>
@@ -1922,54 +1922,139 @@
             <p:ph type="body" sz="quarter" idx="14"/>
           </p:nvPr>
         </p:nvSpPr>
-        <p:spPr/>
+        <p:spPr>
+          <a:xfrm>
+            <a:off x="858838" y="1568452"/>
+            <a:ext cx="6278078" cy="3494043"/>
+          </a:xfrm>
+        </p:spPr>
         <p:txBody>
-          <a:bodyPr/>
+          <a:bodyPr>
+            <a:normAutofit/>
+          </a:bodyPr>
           <a:lstStyle/>
           <a:p>
+            <a:pPr>
+              <a:lnSpc>
+                <a:spcPts val="1200"/>
+              </a:lnSpc>
+              <a:spcBef>
+                <a:spcPts val="600"/>
+              </a:spcBef>
+            </a:pPr>
+            <a:r>
+              <a:rPr lang="de-DE" dirty="0"/>
+              <a:t>Unser Körper hat ein großartiges System, uns Informationen über uns selbst zu liefern: Unsere Gefühle.</a:t>
+            </a:r>
+          </a:p>
+          <a:p>
+            <a:pPr>
+              <a:lnSpc>
+                <a:spcPts val="1200"/>
+              </a:lnSpc>
+              <a:spcBef>
+                <a:spcPts val="600"/>
+              </a:spcBef>
+            </a:pPr>
+            <a:r>
+              <a:rPr lang="de-DE" dirty="0"/>
+              <a:t>Was wir fühlen, wirkt wie ein Seismograph und wir können lernen, ihn konstruktiv zu nutzen.</a:t>
+            </a:r>
+          </a:p>
+          <a:p>
+            <a:pPr>
+              <a:lnSpc>
+                <a:spcPts val="1200"/>
+              </a:lnSpc>
+              <a:spcBef>
+                <a:spcPts val="600"/>
+              </a:spcBef>
+            </a:pPr>
+            <a:r>
+              <a:rPr lang="de-DE" dirty="0"/>
+              <a:t>Es hilft weder, erst bei Ausschlägen in Erdbebenstärke zu reagieren, noch bei jedem kleinen Zittern Konsequenzen zu ziehen. Wenn wir eine gute Wahrnehmung dafür aufbauen, liefert uns unser Seismograph einfach nur Informationen, die wir interpretieren und nutzen können.</a:t>
+            </a:r>
+          </a:p>
+          <a:p>
+            <a:pPr>
+              <a:lnSpc>
+                <a:spcPts val="1200"/>
+              </a:lnSpc>
+              <a:spcBef>
+                <a:spcPts val="600"/>
+              </a:spcBef>
+            </a:pPr>
+            <a:r>
+              <a:rPr lang="de-DE" dirty="0"/>
+              <a:t>Diese Karte fokussiert darauf, eine Wahrnehmung für die feinen Ausschläge unseres eigenen Seismographen zu entwickeln.</a:t>
+            </a:r>
+          </a:p>
+          <a:p>
+            <a:pPr>
+              <a:lnSpc>
+                <a:spcPts val="1200"/>
+              </a:lnSpc>
+              <a:spcBef>
+                <a:spcPts val="600"/>
+              </a:spcBef>
+            </a:pPr>
+            <a:r>
+              <a:rPr lang="de-DE" dirty="0"/>
+              <a:t>Spannungen, die wir fühlen können, sind sehr feine Ausschläge. Wenn wir diese Informationen ignorieren, werden sie stärker und damit so lange lauter, bis sie gehört werden.</a:t>
+            </a:r>
+          </a:p>
+          <a:p>
+            <a:pPr>
+              <a:lnSpc>
+                <a:spcPts val="1200"/>
+              </a:lnSpc>
+              <a:spcBef>
+                <a:spcPts val="600"/>
+              </a:spcBef>
+            </a:pPr>
+            <a:r>
+              <a:rPr lang="de-DE" dirty="0"/>
+              <a:t>Menschen reagieren unterschiedlich auf Spannungen. Es kann ein Gefühl im Magen sein, ein Anziehen der Schultern, ein leicht flacherer Atem, Wie Du Spannungen wahrnimmst, musst Du für Dich selbst erspüren. </a:t>
+            </a:r>
+            <a:endParaRPr lang="de-DE" dirty="0" smtClean="0"/>
+          </a:p>
+          <a:p>
+            <a:pPr>
+              <a:lnSpc>
+                <a:spcPts val="1200"/>
+              </a:lnSpc>
+              <a:spcBef>
+                <a:spcPts val="600"/>
+              </a:spcBef>
+            </a:pPr>
             <a:r>
               <a:rPr lang="de-DE" dirty="0" smtClean="0"/>
-              <a:t>Unser Körper hat ein großartiges System, uns Informationen über uns selbst zu liefern: Unsere Gefühle. </a:t>
-            </a:r>
-          </a:p>
-          <a:p>
-            <a:r>
-              <a:rPr lang="de-DE" dirty="0" smtClean="0"/>
-              <a:t>Was wir fühlen, wirkt wie ein Seismograph und wir können lernen, ihn konstruktiv zu nutzen.</a:t>
-            </a:r>
-          </a:p>
-          <a:p>
-            <a:r>
-              <a:rPr lang="de-DE" dirty="0" smtClean="0"/>
-              <a:t>Es hilft weder, erst bei Ausschlägen in Erdbebenstärke zu reagieren, noch bei jedem kleinen Zittern Konsequenzen zu ziehen. Wenn wir eine gute Wahrnehmung dafür aufbauen, liefert uns unser Seismograph einfach nur Informationen, die wir interpretieren und nutzen können.</a:t>
-            </a:r>
-          </a:p>
-          <a:p>
-            <a:r>
-              <a:rPr lang="de-DE" dirty="0" smtClean="0"/>
-              <a:t>Diese Karte fokussiert darauf, eine Wahrnehmung für die feinen Ausschläge unseres eigenen Seismographen zu  entwickeln.</a:t>
-            </a:r>
-          </a:p>
-          <a:p>
-            <a:r>
-              <a:rPr lang="de-DE" dirty="0" smtClean="0"/>
-              <a:t>Die feinsten Ausschläge sind die Spannungen, die wir fühlen.</a:t>
-            </a:r>
-          </a:p>
-          <a:p>
+              <a:t>Du </a:t>
+            </a:r>
             <a:r>
               <a:rPr lang="de-DE" dirty="0"/>
-              <a:t>Jeder kann diese Wahrnehmung </a:t>
-            </a:r>
-            <a:r>
-              <a:rPr lang="de-DE" dirty="0" smtClean="0"/>
-              <a:t>trainieren.</a:t>
-            </a:r>
-            <a:endParaRPr lang="de-DE" dirty="0"/>
-          </a:p>
-          <a:p>
-            <a:r>
-              <a:rPr lang="de-DE" dirty="0" smtClean="0"/>
+              <a:t>beginnst mit den stärkeren Empfindungen und dann, wenn Du </a:t>
+            </a:r>
+            <a:r>
+              <a:rPr lang="de-DE" dirty="0" err="1"/>
+              <a:t>weisst</a:t>
+            </a:r>
+            <a:r>
+              <a:rPr lang="de-DE" dirty="0"/>
+              <a:t>, wo Du hinschauen musst, kannst Du Deine Wahrnehmung für immer feinere  Ausschläge trainieren und die Informationen in einer frühen Phase aufnehmen.</a:t>
+            </a:r>
+          </a:p>
+          <a:p>
+            <a:pPr>
+              <a:lnSpc>
+                <a:spcPts val="1200"/>
+              </a:lnSpc>
+              <a:spcBef>
+                <a:spcPts val="600"/>
+              </a:spcBef>
+            </a:pPr>
+            <a:r>
+              <a:rPr lang="de-DE" dirty="0"/>
               <a:t>Ob wir diese Spannungen in unser Bewusstsein dringen lassen und als hilfreiche Informationen nutzen wollen, ist unsere eigene Entscheidung.</a:t>
             </a:r>
           </a:p>
@@ -2018,37 +2103,57 @@
         <p:spPr/>
         <p:txBody>
           <a:bodyPr>
-            <a:normAutofit/>
+            <a:normAutofit lnSpcReduction="10000"/>
           </a:bodyPr>
           <a:lstStyle/>
           <a:p>
-            <a:pPr>
-              <a:lnSpc>
-                <a:spcPts val="1500"/>
-              </a:lnSpc>
-              <a:spcBef>
-                <a:spcPts val="800"/>
-              </a:spcBef>
-            </a:pPr>
+            <a:r>
+              <a:rPr lang="de-DE" dirty="0" smtClean="0"/>
+              <a:t>Jedes </a:t>
+            </a:r>
             <a:r>
               <a:rPr lang="de-DE" dirty="0"/>
-              <a:t>Jedes Mal, wenn </a:t>
+              <a:t>Mal, wenn Du spürst, dass Du angespannt bist, notiere Dir die Situation möglichst konkret und nachvollziehbar auf einen Zettel und hänge ihn </a:t>
             </a:r>
             <a:r>
               <a:rPr lang="de-DE" dirty="0" smtClean="0"/>
-              <a:t>Du spürst, dass Du angespannt bist, notiere Dir die Situation möglichst </a:t>
+              <a:t>auf. Nützlich </a:t>
             </a:r>
             <a:r>
               <a:rPr lang="de-DE" dirty="0"/>
-              <a:t>konkret und nachvollziehbar auf einen Zettel und </a:t>
+              <a:t>sind hier selbstklebende </a:t>
+            </a:r>
+            <a:r>
+              <a:rPr lang="de-DE" err="1"/>
+              <a:t>Notizzettel</a:t>
+            </a:r>
+            <a:r>
+              <a:rPr lang="de-DE" smtClean="0"/>
+              <a:t>.</a:t>
+            </a:r>
+          </a:p>
+          <a:p>
+            <a:r>
+              <a:rPr lang="de-DE" smtClean="0"/>
+              <a:t>Jeder </a:t>
+            </a:r>
+            <a:r>
+              <a:rPr lang="de-DE" dirty="0"/>
+              <a:t>weitere Zettel mit einer wahrgenommenen Spannung wird dazu geheftet, so dass nach und nach eine Schlange </a:t>
             </a:r>
             <a:r>
               <a:rPr lang="de-DE" dirty="0" smtClean="0"/>
-              <a:t>hänge </a:t>
+              <a:t>entsteht.</a:t>
+            </a:r>
+          </a:p>
+          <a:p>
+            <a:r>
+              <a:rPr lang="de-DE" dirty="0" smtClean="0"/>
+              <a:t>Eine </a:t>
             </a:r>
             <a:r>
               <a:rPr lang="de-DE" dirty="0"/>
-              <a:t>ihn auf. Nützlich sind hier selbstklebende Notizzettel</a:t>
+              <a:t>Möglichkeit ist auch, während des Tages einen Block mit selbsthaftenden Notizzetteln dabei zu haben, bei einer gefühlten Spannung einen der Zettel knapp zu beschriften und alle Zettel abends aufzuhängen</a:t>
             </a:r>
             <a:r>
               <a:rPr lang="de-DE" dirty="0" smtClean="0"/>
@@ -2056,66 +2161,33 @@
             </a:r>
           </a:p>
           <a:p>
-            <a:pPr>
-              <a:lnSpc>
-                <a:spcPts val="1500"/>
-              </a:lnSpc>
-              <a:spcBef>
-                <a:spcPts val="800"/>
-              </a:spcBef>
-            </a:pPr>
+            <a:r>
+              <a:rPr lang="de-DE" dirty="0" smtClean="0"/>
+              <a:t>Mache </a:t>
+            </a:r>
             <a:r>
               <a:rPr lang="de-DE" dirty="0"/>
-              <a:t>Jeder weitere Zettel mit einer wahrgenommenen Spannung wird dazu geheftet, so dass nach und nach eine Schlange entsteht.</a:t>
-            </a:r>
-          </a:p>
-          <a:p>
-            <a:pPr>
-              <a:lnSpc>
-                <a:spcPts val="1500"/>
-              </a:lnSpc>
-              <a:spcBef>
-                <a:spcPts val="800"/>
-              </a:spcBef>
-            </a:pPr>
+              <a:t>diesen Move in zwei Wochen an mindestens vier Tagen.</a:t>
+            </a:r>
+          </a:p>
+          <a:p>
+            <a:r>
+              <a:rPr lang="de-DE" dirty="0"/>
+              <a:t>Schaue am Ende eines Tages oder einer Woche alle Zettel in der Schlange durch</a:t>
+            </a:r>
             <a:r>
               <a:rPr lang="de-DE" dirty="0" smtClean="0"/>
-              <a:t>Eine Möglichkeit ist auch, während des </a:t>
+              <a:t>.</a:t>
+            </a:r>
+          </a:p>
+          <a:p>
+            <a:r>
+              <a:rPr lang="de-DE" dirty="0" smtClean="0"/>
+              <a:t>Wenn </a:t>
             </a:r>
             <a:r>
               <a:rPr lang="de-DE" dirty="0"/>
-              <a:t>T</a:t>
-            </a:r>
-            <a:r>
-              <a:rPr lang="de-DE" dirty="0" smtClean="0"/>
-              <a:t>ages einen Block mit selbsthaftenden Notizzetteln dabei zu haben, bei einer gefühlten Spannung einen der Zettel knapp zu beschriften und alle Zettel abends aufzuhängen. </a:t>
-            </a:r>
-            <a:endParaRPr lang="de-DE" dirty="0"/>
-          </a:p>
-          <a:p>
-            <a:pPr>
-              <a:lnSpc>
-                <a:spcPts val="1500"/>
-              </a:lnSpc>
-              <a:spcBef>
-                <a:spcPts val="800"/>
-              </a:spcBef>
-            </a:pPr>
-            <a:r>
-              <a:rPr lang="de-DE" dirty="0" smtClean="0"/>
-              <a:t>Am </a:t>
-            </a:r>
-            <a:r>
-              <a:rPr lang="de-DE" dirty="0"/>
-              <a:t>Ende einer vereinbarten </a:t>
-            </a:r>
-            <a:r>
-              <a:rPr lang="de-DE" dirty="0" smtClean="0"/>
-              <a:t>Zeitspanne (eines </a:t>
-            </a:r>
-            <a:r>
-              <a:rPr lang="de-DE" dirty="0"/>
-              <a:t>Tages, einer Woche einer Seminareinheit </a:t>
+              <a:t>Du ein Team oder Trainingspartner hast, bespreche Deine Erfahrungen mit </a:t>
             </a:r>
             <a:r>
               <a:rPr lang="de-DE" dirty="0" smtClean="0"/>
@@ -2126,37 +2198,19 @@
             </a:br>
             <a:r>
               <a:rPr lang="de-DE" dirty="0" smtClean="0"/>
-              <a:t>etc</a:t>
+              <a:t>Ihnen</a:t>
             </a:r>
             <a:r>
               <a:rPr lang="de-DE" dirty="0"/>
-              <a:t>.) </a:t>
+              <a:t>. </a:t>
             </a:r>
             <a:r>
               <a:rPr lang="de-DE" dirty="0" smtClean="0"/>
-              <a:t>schaust Du </a:t>
+              <a:t>Welche </a:t>
             </a:r>
             <a:r>
               <a:rPr lang="de-DE" dirty="0"/>
-              <a:t>alle Zettel </a:t>
-            </a:r>
-            <a:r>
-              <a:rPr lang="de-DE" dirty="0" smtClean="0"/>
-              <a:t>in der Schlange durch. </a:t>
-            </a:r>
-          </a:p>
-          <a:p>
-            <a:pPr>
-              <a:lnSpc>
-                <a:spcPts val="1500"/>
-              </a:lnSpc>
-              <a:spcBef>
-                <a:spcPts val="800"/>
-              </a:spcBef>
-            </a:pPr>
-            <a:r>
-              <a:rPr lang="de-DE" dirty="0"/>
-              <a:t>Wenn Du ein Team oder Trainingspartner hast, bespreche Deine Erfahrungen mit </a:t>
+              <a:t>Muster kannst Du in Deinen Spannungen entdecken? Gibt es </a:t>
             </a:r>
             <a:r>
               <a:rPr lang="de-DE" dirty="0" smtClean="0"/>
@@ -2167,30 +2221,22 @@
             </a:br>
             <a:r>
               <a:rPr lang="de-DE" dirty="0" smtClean="0"/>
-              <a:t>Ihnen</a:t>
+              <a:t>Ähnlichkeiten </a:t>
             </a:r>
             <a:r>
               <a:rPr lang="de-DE" dirty="0"/>
-              <a:t>. </a:t>
+              <a:t>oder Zusammenhänge von Situationen, in denen Du Spannungen </a:t>
             </a:r>
             <a:r>
               <a:rPr lang="de-DE" dirty="0" smtClean="0"/>
-              <a:t>Welche Muster kannst Du in Deinen Spannungen entdecken?</a:t>
-            </a:r>
-            <a:r>
-              <a:rPr lang="de-DE" dirty="0"/>
-              <a:t> </a:t>
-            </a:r>
-            <a:r>
-              <a:rPr lang="de-DE" dirty="0" smtClean="0"/>
-              <a:t>Gibt es </a:t>
+              <a:t/>
             </a:r>
             <a:br>
               <a:rPr lang="de-DE" dirty="0" smtClean="0"/>
             </a:br>
             <a:r>
               <a:rPr lang="de-DE" dirty="0" smtClean="0"/>
-              <a:t>Ähnlichkeiten oder Zusammenhänge von Situationen, in denen Du Spannungen erlebst.</a:t>
+              <a:t>erlebst?</a:t>
             </a:r>
             <a:endParaRPr lang="de-DE" dirty="0"/>
           </a:p>
@@ -2239,7 +2285,7 @@
                 <a:latin typeface="Avenir Light"/>
                 <a:cs typeface="Avenir Light"/>
               </a:rPr>
-              <a:t>23.11.15</a:t>
+              <a:t>24.11.15</a:t>
             </a:fld>
             <a:endParaRPr lang="de-DE" sz="600" dirty="0">
               <a:solidFill>

--- a/training-cards/emotional erwachsen/Perception (PER)/ger/apprentice/ger_PER_10_Spannungsschlange_EE_A.pptx
+++ b/training-cards/emotional erwachsen/Perception (PER)/ger/apprentice/ger_PER_10_Spannungsschlange_EE_A.pptx
@@ -2036,8 +2036,8 @@
               <a:t>beginnst mit den stärkeren Empfindungen und dann, wenn Du </a:t>
             </a:r>
             <a:r>
-              <a:rPr lang="de-DE" dirty="0" err="1"/>
-              <a:t>weisst</a:t>
+              <a:rPr lang="de-DE" dirty="0" smtClean="0"/>
+              <a:t>weißt</a:t>
             </a:r>
             <a:r>
               <a:rPr lang="de-DE" dirty="0"/>
@@ -2113,7 +2113,15 @@
             </a:r>
             <a:r>
               <a:rPr lang="de-DE" dirty="0"/>
-              <a:t>Mal, wenn Du spürst, dass Du angespannt bist, notiere Dir die Situation möglichst konkret und nachvollziehbar auf einen Zettel und hänge ihn </a:t>
+              <a:t>Mal, wenn Du spürst, dass Du angespannt bist, notiere Dir die Situation möglichst konkret und nachvollziehbar auf </a:t>
+            </a:r>
+            <a:r>
+              <a:rPr lang="de-DE" dirty="0" smtClean="0"/>
+              <a:t>einem </a:t>
+            </a:r>
+            <a:r>
+              <a:rPr lang="de-DE" dirty="0"/>
+              <a:t>Zettel und hänge ihn </a:t>
             </a:r>
             <a:r>
               <a:rPr lang="de-DE" dirty="0" smtClean="0"/>
@@ -2121,20 +2129,16 @@
             </a:r>
             <a:r>
               <a:rPr lang="de-DE" dirty="0"/>
-              <a:t>sind hier selbstklebende </a:t>
-            </a:r>
-            <a:r>
-              <a:rPr lang="de-DE" err="1"/>
-              <a:t>Notizzettel</a:t>
-            </a:r>
-            <a:r>
-              <a:rPr lang="de-DE" smtClean="0"/>
+              <a:t>sind hier selbstklebende Notizzettel</a:t>
+            </a:r>
+            <a:r>
+              <a:rPr lang="de-DE" dirty="0" smtClean="0"/>
               <a:t>.</a:t>
             </a:r>
           </a:p>
           <a:p>
             <a:r>
-              <a:rPr lang="de-DE" smtClean="0"/>
+              <a:rPr lang="de-DE" dirty="0" smtClean="0"/>
               <a:t>Jeder </a:t>
             </a:r>
             <a:r>

--- a/training-cards/emotional erwachsen/Perception (PER)/ger/apprentice/ger_PER_10_Spannungsschlange_EE_A.pptx
+++ b/training-cards/emotional erwachsen/Perception (PER)/ger/apprentice/ger_PER_10_Spannungsschlange_EE_A.pptx
@@ -193,7 +193,7 @@
           <a:p>
             <a:fld id="{6E077CBB-2DF5-4D45-BDDD-22DB2684D07E}" type="datetimeFigureOut">
               <a:rPr lang="de-DE" smtClean="0"/>
-              <a:t>24.11.15</a:t>
+              <a:t>25.11.15</a:t>
             </a:fld>
             <a:endParaRPr lang="de-DE"/>
           </a:p>
@@ -2289,7 +2289,7 @@
                 <a:latin typeface="Avenir Light"/>
                 <a:cs typeface="Avenir Light"/>
               </a:rPr>
-              <a:t>24.11.15</a:t>
+              <a:t>25.11.15</a:t>
             </a:fld>
             <a:endParaRPr lang="de-DE" sz="600" dirty="0">
               <a:solidFill>
@@ -2354,26 +2354,7 @@
                 <a:cs typeface="Avenir Light"/>
                 <a:sym typeface="Calibri"/>
               </a:rPr>
-              <a:t>To view a copy of this license, visit </a:t>
-            </a:r>
-            <a:r>
-              <a:rPr sz="600" dirty="0">
-                <a:latin typeface="Avenir Light"/>
-                <a:ea typeface="Calibri"/>
-                <a:cs typeface="Avenir Light"/>
-                <a:sym typeface="Calibri"/>
-                <a:hlinkClick r:id="rId2"/>
-              </a:rPr>
-              <a:t>http://creativecommons.org/licenses/by-nc-nd/4.0/</a:t>
-            </a:r>
-            <a:r>
-              <a:rPr sz="600" dirty="0">
-                <a:latin typeface="Avenir Light"/>
-                <a:ea typeface="Calibri"/>
-                <a:cs typeface="Avenir Light"/>
-                <a:sym typeface="Calibri"/>
-              </a:rPr>
-              <a:t>.</a:t>
+              <a:t>To view a copy of this license, visit http://creativecommons.org/licenses/by-nc-nd/4.0/.</a:t>
             </a:r>
           </a:p>
         </p:txBody>
@@ -2385,7 +2366,7 @@
           <p:nvPr/>
         </p:nvPicPr>
         <p:blipFill>
-          <a:blip r:embed="rId3">
+          <a:blip r:embed="rId2">
             <a:extLst/>
           </a:blip>
           <a:stretch>

--- a/training-cards/emotional erwachsen/Perception (PER)/ger/apprentice/ger_PER_10_Spannungsschlange_EE_A.pptx
+++ b/training-cards/emotional erwachsen/Perception (PER)/ger/apprentice/ger_PER_10_Spannungsschlange_EE_A.pptx
@@ -193,7 +193,7 @@
           <a:p>
             <a:fld id="{6E077CBB-2DF5-4D45-BDDD-22DB2684D07E}" type="datetimeFigureOut">
               <a:rPr lang="de-DE" smtClean="0"/>
-              <a:t>25.11.15</a:t>
+              <a:t>11.05.16</a:t>
             </a:fld>
             <a:endParaRPr lang="de-DE"/>
           </a:p>
@@ -2289,7 +2289,7 @@
                 <a:latin typeface="Avenir Light"/>
                 <a:cs typeface="Avenir Light"/>
               </a:rPr>
-              <a:t>25.11.15</a:t>
+              <a:t>11.05.16</a:t>
             </a:fld>
             <a:endParaRPr lang="de-DE" sz="600" dirty="0">
               <a:solidFill>

--- a/training-cards/emotional erwachsen/Perception (PER)/ger/apprentice/ger_PER_10_Spannungsschlange_EE_A.pptx
+++ b/training-cards/emotional erwachsen/Perception (PER)/ger/apprentice/ger_PER_10_Spannungsschlange_EE_A.pptx
@@ -193,7 +193,7 @@
           <a:p>
             <a:fld id="{6E077CBB-2DF5-4D45-BDDD-22DB2684D07E}" type="datetimeFigureOut">
               <a:rPr lang="de-DE" smtClean="0"/>
-              <a:t>11.05.16</a:t>
+              <a:t>25.11.15</a:t>
             </a:fld>
             <a:endParaRPr lang="de-DE"/>
           </a:p>
@@ -2289,7 +2289,7 @@
                 <a:latin typeface="Avenir Light"/>
                 <a:cs typeface="Avenir Light"/>
               </a:rPr>
-              <a:t>11.05.16</a:t>
+              <a:t>25.11.15</a:t>
             </a:fld>
             <a:endParaRPr lang="de-DE" sz="600" dirty="0">
               <a:solidFill>
